--- a/ppt 16-9/0163.圣诞佳音.pptx
+++ b/ppt 16-9/0163.圣诞佳音.pptx
@@ -5,7 +5,7 @@
     <p:sldMasterId id="2147483648" r:id="rId1"/>
   </p:sldMasterIdLst>
   <p:sldIdLst>
-    <p:sldId id="2765" r:id="rId2"/>
+    <p:sldId id="2767" r:id="rId2"/>
   </p:sldIdLst>
   <p:sldSz cx="12192000" cy="6858000"/>
   <p:notesSz cx="6858000" cy="9144000"/>
@@ -129,7 +129,7 @@
           <p:cNvPr id="2" name="标题 1">
             <a:extLst>
               <a:ext uri="{FF2B5EF4-FFF2-40B4-BE49-F238E27FC236}">
-                <a16:creationId xmlns:a16="http://schemas.microsoft.com/office/drawing/2014/main" id="{A2FA13AA-501D-FB12-A52D-A67E484FB2A8}"/>
+                <a16:creationId xmlns:a16="http://schemas.microsoft.com/office/drawing/2014/main" id="{E56555EE-EA52-AA19-6717-BA0D0863C105}"/>
               </a:ext>
             </a:extLst>
           </p:cNvPr>
@@ -166,7 +166,7 @@
           <p:cNvPr id="3" name="副标题 2">
             <a:extLst>
               <a:ext uri="{FF2B5EF4-FFF2-40B4-BE49-F238E27FC236}">
-                <a16:creationId xmlns:a16="http://schemas.microsoft.com/office/drawing/2014/main" id="{C6A8690E-5D95-DD0B-6351-6215EA95C1CE}"/>
+                <a16:creationId xmlns:a16="http://schemas.microsoft.com/office/drawing/2014/main" id="{3865ED2E-71A2-D203-6891-B2922B77DB4F}"/>
               </a:ext>
             </a:extLst>
           </p:cNvPr>
@@ -236,7 +236,7 @@
           <p:cNvPr id="4" name="日期占位符 3">
             <a:extLst>
               <a:ext uri="{FF2B5EF4-FFF2-40B4-BE49-F238E27FC236}">
-                <a16:creationId xmlns:a16="http://schemas.microsoft.com/office/drawing/2014/main" id="{AEFCAEBE-F6D8-FFA8-1D63-45FBBB5BA79E}"/>
+                <a16:creationId xmlns:a16="http://schemas.microsoft.com/office/drawing/2014/main" id="{01656135-25A9-334A-B307-3969C4FF48D9}"/>
               </a:ext>
             </a:extLst>
           </p:cNvPr>
@@ -252,7 +252,7 @@
           <a:bodyPr/>
           <a:lstStyle/>
           <a:p>
-            <a:fld id="{2C479A17-988E-4381-805D-DF536068FF23}" type="datetimeFigureOut">
+            <a:fld id="{4FD8EC81-E549-46C0-9F33-750F4E078F32}" type="datetimeFigureOut">
               <a:rPr lang="zh-CN" altLang="en-US" smtClean="0"/>
               <a:t>2024/3/10</a:t>
             </a:fld>
@@ -265,7 +265,7 @@
           <p:cNvPr id="5" name="页脚占位符 4">
             <a:extLst>
               <a:ext uri="{FF2B5EF4-FFF2-40B4-BE49-F238E27FC236}">
-                <a16:creationId xmlns:a16="http://schemas.microsoft.com/office/drawing/2014/main" id="{FD77EDC2-A95E-386C-BFEA-0363D790D71A}"/>
+                <a16:creationId xmlns:a16="http://schemas.microsoft.com/office/drawing/2014/main" id="{22E32D46-EB2E-74E4-2BD3-D63EEBBE3D9B}"/>
               </a:ext>
             </a:extLst>
           </p:cNvPr>
@@ -290,7 +290,7 @@
           <p:cNvPr id="6" name="灯片编号占位符 5">
             <a:extLst>
               <a:ext uri="{FF2B5EF4-FFF2-40B4-BE49-F238E27FC236}">
-                <a16:creationId xmlns:a16="http://schemas.microsoft.com/office/drawing/2014/main" id="{4E0F3B33-A001-F3CC-F339-3D9F112399F6}"/>
+                <a16:creationId xmlns:a16="http://schemas.microsoft.com/office/drawing/2014/main" id="{4A49F954-434B-6A89-C11A-A87C0A78EFD9}"/>
               </a:ext>
             </a:extLst>
           </p:cNvPr>
@@ -306,7 +306,7 @@
           <a:bodyPr/>
           <a:lstStyle/>
           <a:p>
-            <a:fld id="{93D3BD6A-41A6-4C6F-8B05-8D169D0D8FC2}" type="slidenum">
+            <a:fld id="{14192F85-B721-4FB4-8B96-8C47A13B94D4}" type="slidenum">
               <a:rPr lang="zh-CN" altLang="en-US" smtClean="0"/>
               <a:t>‹#›</a:t>
             </a:fld>
@@ -317,7 +317,7 @@
     </p:spTree>
     <p:extLst>
       <p:ext uri="{BB962C8B-B14F-4D97-AF65-F5344CB8AC3E}">
-        <p14:creationId xmlns:p14="http://schemas.microsoft.com/office/powerpoint/2010/main" val="4083502223"/>
+        <p14:creationId xmlns:p14="http://schemas.microsoft.com/office/powerpoint/2010/main" val="684438452"/>
       </p:ext>
     </p:extLst>
   </p:cSld>
@@ -349,7 +349,7 @@
           <p:cNvPr id="2" name="标题 1">
             <a:extLst>
               <a:ext uri="{FF2B5EF4-FFF2-40B4-BE49-F238E27FC236}">
-                <a16:creationId xmlns:a16="http://schemas.microsoft.com/office/drawing/2014/main" id="{3939C719-3339-6AC6-72B7-CE7A656AABEC}"/>
+                <a16:creationId xmlns:a16="http://schemas.microsoft.com/office/drawing/2014/main" id="{A5094741-3D46-21E1-95F1-8EF9CAA74B44}"/>
               </a:ext>
             </a:extLst>
           </p:cNvPr>
@@ -377,7 +377,7 @@
           <p:cNvPr id="3" name="竖排文字占位符 2">
             <a:extLst>
               <a:ext uri="{FF2B5EF4-FFF2-40B4-BE49-F238E27FC236}">
-                <a16:creationId xmlns:a16="http://schemas.microsoft.com/office/drawing/2014/main" id="{99D4FB7D-D3A7-027A-1AA0-09949362AE83}"/>
+                <a16:creationId xmlns:a16="http://schemas.microsoft.com/office/drawing/2014/main" id="{72838C0A-3511-B319-EB6D-BB59DFE9C489}"/>
               </a:ext>
             </a:extLst>
           </p:cNvPr>
@@ -434,7 +434,7 @@
           <p:cNvPr id="4" name="日期占位符 3">
             <a:extLst>
               <a:ext uri="{FF2B5EF4-FFF2-40B4-BE49-F238E27FC236}">
-                <a16:creationId xmlns:a16="http://schemas.microsoft.com/office/drawing/2014/main" id="{CB1DB4AD-8266-1F1E-7451-8940AE9BE44E}"/>
+                <a16:creationId xmlns:a16="http://schemas.microsoft.com/office/drawing/2014/main" id="{41F5BDBD-6654-BB06-7140-EC1F394A89FE}"/>
               </a:ext>
             </a:extLst>
           </p:cNvPr>
@@ -450,7 +450,7 @@
           <a:bodyPr/>
           <a:lstStyle/>
           <a:p>
-            <a:fld id="{2C479A17-988E-4381-805D-DF536068FF23}" type="datetimeFigureOut">
+            <a:fld id="{4FD8EC81-E549-46C0-9F33-750F4E078F32}" type="datetimeFigureOut">
               <a:rPr lang="zh-CN" altLang="en-US" smtClean="0"/>
               <a:t>2024/3/10</a:t>
             </a:fld>
@@ -463,7 +463,7 @@
           <p:cNvPr id="5" name="页脚占位符 4">
             <a:extLst>
               <a:ext uri="{FF2B5EF4-FFF2-40B4-BE49-F238E27FC236}">
-                <a16:creationId xmlns:a16="http://schemas.microsoft.com/office/drawing/2014/main" id="{D228AE81-4E90-1B12-5F10-CB4E7B0ED80A}"/>
+                <a16:creationId xmlns:a16="http://schemas.microsoft.com/office/drawing/2014/main" id="{8BD395B9-87D2-D6A3-5A5B-30A3420B2E23}"/>
               </a:ext>
             </a:extLst>
           </p:cNvPr>
@@ -488,7 +488,7 @@
           <p:cNvPr id="6" name="灯片编号占位符 5">
             <a:extLst>
               <a:ext uri="{FF2B5EF4-FFF2-40B4-BE49-F238E27FC236}">
-                <a16:creationId xmlns:a16="http://schemas.microsoft.com/office/drawing/2014/main" id="{46682FF5-F86C-D667-63A2-D2462BAD62AC}"/>
+                <a16:creationId xmlns:a16="http://schemas.microsoft.com/office/drawing/2014/main" id="{D49E55D3-7DF5-117E-1CCF-1EED16F3245A}"/>
               </a:ext>
             </a:extLst>
           </p:cNvPr>
@@ -504,7 +504,7 @@
           <a:bodyPr/>
           <a:lstStyle/>
           <a:p>
-            <a:fld id="{93D3BD6A-41A6-4C6F-8B05-8D169D0D8FC2}" type="slidenum">
+            <a:fld id="{14192F85-B721-4FB4-8B96-8C47A13B94D4}" type="slidenum">
               <a:rPr lang="zh-CN" altLang="en-US" smtClean="0"/>
               <a:t>‹#›</a:t>
             </a:fld>
@@ -515,7 +515,7 @@
     </p:spTree>
     <p:extLst>
       <p:ext uri="{BB962C8B-B14F-4D97-AF65-F5344CB8AC3E}">
-        <p14:creationId xmlns:p14="http://schemas.microsoft.com/office/powerpoint/2010/main" val="2078835373"/>
+        <p14:creationId xmlns:p14="http://schemas.microsoft.com/office/powerpoint/2010/main" val="2788556669"/>
       </p:ext>
     </p:extLst>
   </p:cSld>
@@ -547,7 +547,7 @@
           <p:cNvPr id="2" name="竖排标题 1">
             <a:extLst>
               <a:ext uri="{FF2B5EF4-FFF2-40B4-BE49-F238E27FC236}">
-                <a16:creationId xmlns:a16="http://schemas.microsoft.com/office/drawing/2014/main" id="{E19F36EC-8411-385B-2860-A99DF2BB6235}"/>
+                <a16:creationId xmlns:a16="http://schemas.microsoft.com/office/drawing/2014/main" id="{A8894F24-7A65-0336-017F-4B03239124A6}"/>
               </a:ext>
             </a:extLst>
           </p:cNvPr>
@@ -580,7 +580,7 @@
           <p:cNvPr id="3" name="竖排文字占位符 2">
             <a:extLst>
               <a:ext uri="{FF2B5EF4-FFF2-40B4-BE49-F238E27FC236}">
-                <a16:creationId xmlns:a16="http://schemas.microsoft.com/office/drawing/2014/main" id="{F03061A6-8AC6-3290-43A8-A03FA483C806}"/>
+                <a16:creationId xmlns:a16="http://schemas.microsoft.com/office/drawing/2014/main" id="{39DFF24E-941D-7232-54BA-F19A2AA7E0D3}"/>
               </a:ext>
             </a:extLst>
           </p:cNvPr>
@@ -642,7 +642,7 @@
           <p:cNvPr id="4" name="日期占位符 3">
             <a:extLst>
               <a:ext uri="{FF2B5EF4-FFF2-40B4-BE49-F238E27FC236}">
-                <a16:creationId xmlns:a16="http://schemas.microsoft.com/office/drawing/2014/main" id="{9E3EF277-94D2-5CDC-54AE-AE3003F33402}"/>
+                <a16:creationId xmlns:a16="http://schemas.microsoft.com/office/drawing/2014/main" id="{906D6311-4A36-CDEF-FB95-47C533D3576D}"/>
               </a:ext>
             </a:extLst>
           </p:cNvPr>
@@ -658,7 +658,7 @@
           <a:bodyPr/>
           <a:lstStyle/>
           <a:p>
-            <a:fld id="{2C479A17-988E-4381-805D-DF536068FF23}" type="datetimeFigureOut">
+            <a:fld id="{4FD8EC81-E549-46C0-9F33-750F4E078F32}" type="datetimeFigureOut">
               <a:rPr lang="zh-CN" altLang="en-US" smtClean="0"/>
               <a:t>2024/3/10</a:t>
             </a:fld>
@@ -671,7 +671,7 @@
           <p:cNvPr id="5" name="页脚占位符 4">
             <a:extLst>
               <a:ext uri="{FF2B5EF4-FFF2-40B4-BE49-F238E27FC236}">
-                <a16:creationId xmlns:a16="http://schemas.microsoft.com/office/drawing/2014/main" id="{35D0209D-BAA1-D8A8-B6B9-9955C3F63599}"/>
+                <a16:creationId xmlns:a16="http://schemas.microsoft.com/office/drawing/2014/main" id="{D1553366-D20A-D6DC-765B-8B1B7A98E95E}"/>
               </a:ext>
             </a:extLst>
           </p:cNvPr>
@@ -696,7 +696,7 @@
           <p:cNvPr id="6" name="灯片编号占位符 5">
             <a:extLst>
               <a:ext uri="{FF2B5EF4-FFF2-40B4-BE49-F238E27FC236}">
-                <a16:creationId xmlns:a16="http://schemas.microsoft.com/office/drawing/2014/main" id="{3715A07D-8B0F-8481-ED5C-513956BF185A}"/>
+                <a16:creationId xmlns:a16="http://schemas.microsoft.com/office/drawing/2014/main" id="{4E236B52-4693-283B-E3A1-9A2CA6FC4958}"/>
               </a:ext>
             </a:extLst>
           </p:cNvPr>
@@ -712,7 +712,7 @@
           <a:bodyPr/>
           <a:lstStyle/>
           <a:p>
-            <a:fld id="{93D3BD6A-41A6-4C6F-8B05-8D169D0D8FC2}" type="slidenum">
+            <a:fld id="{14192F85-B721-4FB4-8B96-8C47A13B94D4}" type="slidenum">
               <a:rPr lang="zh-CN" altLang="en-US" smtClean="0"/>
               <a:t>‹#›</a:t>
             </a:fld>
@@ -723,7 +723,7 @@
     </p:spTree>
     <p:extLst>
       <p:ext uri="{BB962C8B-B14F-4D97-AF65-F5344CB8AC3E}">
-        <p14:creationId xmlns:p14="http://schemas.microsoft.com/office/powerpoint/2010/main" val="1781541812"/>
+        <p14:creationId xmlns:p14="http://schemas.microsoft.com/office/powerpoint/2010/main" val="3960497014"/>
       </p:ext>
     </p:extLst>
   </p:cSld>
@@ -755,7 +755,7 @@
           <p:cNvPr id="2" name="标题 1">
             <a:extLst>
               <a:ext uri="{FF2B5EF4-FFF2-40B4-BE49-F238E27FC236}">
-                <a16:creationId xmlns:a16="http://schemas.microsoft.com/office/drawing/2014/main" id="{BCC9603C-3B11-D128-A7DB-10294107B291}"/>
+                <a16:creationId xmlns:a16="http://schemas.microsoft.com/office/drawing/2014/main" id="{4FF048E5-338A-D4D7-97E4-48D907CB5681}"/>
               </a:ext>
             </a:extLst>
           </p:cNvPr>
@@ -783,7 +783,7 @@
           <p:cNvPr id="3" name="内容占位符 2">
             <a:extLst>
               <a:ext uri="{FF2B5EF4-FFF2-40B4-BE49-F238E27FC236}">
-                <a16:creationId xmlns:a16="http://schemas.microsoft.com/office/drawing/2014/main" id="{3EAE1286-C53F-2B37-F57D-BA597CBFB26C}"/>
+                <a16:creationId xmlns:a16="http://schemas.microsoft.com/office/drawing/2014/main" id="{97DD09FF-7EA0-DB27-9E45-0542F2F8DD4B}"/>
               </a:ext>
             </a:extLst>
           </p:cNvPr>
@@ -840,7 +840,7 @@
           <p:cNvPr id="4" name="日期占位符 3">
             <a:extLst>
               <a:ext uri="{FF2B5EF4-FFF2-40B4-BE49-F238E27FC236}">
-                <a16:creationId xmlns:a16="http://schemas.microsoft.com/office/drawing/2014/main" id="{BF8DB155-24E3-F3B3-E226-2168514CB529}"/>
+                <a16:creationId xmlns:a16="http://schemas.microsoft.com/office/drawing/2014/main" id="{2CE3F2FD-65AA-4E4A-9119-3AF36102355F}"/>
               </a:ext>
             </a:extLst>
           </p:cNvPr>
@@ -856,7 +856,7 @@
           <a:bodyPr/>
           <a:lstStyle/>
           <a:p>
-            <a:fld id="{2C479A17-988E-4381-805D-DF536068FF23}" type="datetimeFigureOut">
+            <a:fld id="{4FD8EC81-E549-46C0-9F33-750F4E078F32}" type="datetimeFigureOut">
               <a:rPr lang="zh-CN" altLang="en-US" smtClean="0"/>
               <a:t>2024/3/10</a:t>
             </a:fld>
@@ -869,7 +869,7 @@
           <p:cNvPr id="5" name="页脚占位符 4">
             <a:extLst>
               <a:ext uri="{FF2B5EF4-FFF2-40B4-BE49-F238E27FC236}">
-                <a16:creationId xmlns:a16="http://schemas.microsoft.com/office/drawing/2014/main" id="{AA5B1FF6-B245-B86B-451F-21A045067A5B}"/>
+                <a16:creationId xmlns:a16="http://schemas.microsoft.com/office/drawing/2014/main" id="{029E4BDF-BA13-B205-7936-79BDEAA594C5}"/>
               </a:ext>
             </a:extLst>
           </p:cNvPr>
@@ -894,7 +894,7 @@
           <p:cNvPr id="6" name="灯片编号占位符 5">
             <a:extLst>
               <a:ext uri="{FF2B5EF4-FFF2-40B4-BE49-F238E27FC236}">
-                <a16:creationId xmlns:a16="http://schemas.microsoft.com/office/drawing/2014/main" id="{5102D511-3CE8-D719-282A-CCC4A5A2E420}"/>
+                <a16:creationId xmlns:a16="http://schemas.microsoft.com/office/drawing/2014/main" id="{806ECC84-258D-260B-1ED7-CD2A660E047C}"/>
               </a:ext>
             </a:extLst>
           </p:cNvPr>
@@ -910,7 +910,7 @@
           <a:bodyPr/>
           <a:lstStyle/>
           <a:p>
-            <a:fld id="{93D3BD6A-41A6-4C6F-8B05-8D169D0D8FC2}" type="slidenum">
+            <a:fld id="{14192F85-B721-4FB4-8B96-8C47A13B94D4}" type="slidenum">
               <a:rPr lang="zh-CN" altLang="en-US" smtClean="0"/>
               <a:t>‹#›</a:t>
             </a:fld>
@@ -921,7 +921,7 @@
     </p:spTree>
     <p:extLst>
       <p:ext uri="{BB962C8B-B14F-4D97-AF65-F5344CB8AC3E}">
-        <p14:creationId xmlns:p14="http://schemas.microsoft.com/office/powerpoint/2010/main" val="781918141"/>
+        <p14:creationId xmlns:p14="http://schemas.microsoft.com/office/powerpoint/2010/main" val="309834992"/>
       </p:ext>
     </p:extLst>
   </p:cSld>
@@ -953,7 +953,7 @@
           <p:cNvPr id="2" name="标题 1">
             <a:extLst>
               <a:ext uri="{FF2B5EF4-FFF2-40B4-BE49-F238E27FC236}">
-                <a16:creationId xmlns:a16="http://schemas.microsoft.com/office/drawing/2014/main" id="{3F174897-186F-A562-55DF-1661137DF182}"/>
+                <a16:creationId xmlns:a16="http://schemas.microsoft.com/office/drawing/2014/main" id="{03787FD5-ED8E-DF80-330D-34742A1E2515}"/>
               </a:ext>
             </a:extLst>
           </p:cNvPr>
@@ -990,7 +990,7 @@
           <p:cNvPr id="3" name="文本占位符 2">
             <a:extLst>
               <a:ext uri="{FF2B5EF4-FFF2-40B4-BE49-F238E27FC236}">
-                <a16:creationId xmlns:a16="http://schemas.microsoft.com/office/drawing/2014/main" id="{5429D16F-000A-FF68-14C8-09A0A2EF7183}"/>
+                <a16:creationId xmlns:a16="http://schemas.microsoft.com/office/drawing/2014/main" id="{6F1D6D86-E31C-4C85-FE22-3CC26D4AB9F3}"/>
               </a:ext>
             </a:extLst>
           </p:cNvPr>
@@ -1115,7 +1115,7 @@
           <p:cNvPr id="4" name="日期占位符 3">
             <a:extLst>
               <a:ext uri="{FF2B5EF4-FFF2-40B4-BE49-F238E27FC236}">
-                <a16:creationId xmlns:a16="http://schemas.microsoft.com/office/drawing/2014/main" id="{88972E34-2C99-E98B-E910-919DF6F0F56D}"/>
+                <a16:creationId xmlns:a16="http://schemas.microsoft.com/office/drawing/2014/main" id="{26181694-A596-9DEB-28F7-1FF75D042FC7}"/>
               </a:ext>
             </a:extLst>
           </p:cNvPr>
@@ -1131,7 +1131,7 @@
           <a:bodyPr/>
           <a:lstStyle/>
           <a:p>
-            <a:fld id="{2C479A17-988E-4381-805D-DF536068FF23}" type="datetimeFigureOut">
+            <a:fld id="{4FD8EC81-E549-46C0-9F33-750F4E078F32}" type="datetimeFigureOut">
               <a:rPr lang="zh-CN" altLang="en-US" smtClean="0"/>
               <a:t>2024/3/10</a:t>
             </a:fld>
@@ -1144,7 +1144,7 @@
           <p:cNvPr id="5" name="页脚占位符 4">
             <a:extLst>
               <a:ext uri="{FF2B5EF4-FFF2-40B4-BE49-F238E27FC236}">
-                <a16:creationId xmlns:a16="http://schemas.microsoft.com/office/drawing/2014/main" id="{B5BB430A-C17A-623D-CC8A-4F1FCBAF72A7}"/>
+                <a16:creationId xmlns:a16="http://schemas.microsoft.com/office/drawing/2014/main" id="{4666E7C9-019D-DCA6-77EF-9AEA9C392216}"/>
               </a:ext>
             </a:extLst>
           </p:cNvPr>
@@ -1169,7 +1169,7 @@
           <p:cNvPr id="6" name="灯片编号占位符 5">
             <a:extLst>
               <a:ext uri="{FF2B5EF4-FFF2-40B4-BE49-F238E27FC236}">
-                <a16:creationId xmlns:a16="http://schemas.microsoft.com/office/drawing/2014/main" id="{AC9927D2-A0E8-8D25-A433-51187B9A1218}"/>
+                <a16:creationId xmlns:a16="http://schemas.microsoft.com/office/drawing/2014/main" id="{B0A83626-A4F5-AA88-0F83-027CDC01E655}"/>
               </a:ext>
             </a:extLst>
           </p:cNvPr>
@@ -1185,7 +1185,7 @@
           <a:bodyPr/>
           <a:lstStyle/>
           <a:p>
-            <a:fld id="{93D3BD6A-41A6-4C6F-8B05-8D169D0D8FC2}" type="slidenum">
+            <a:fld id="{14192F85-B721-4FB4-8B96-8C47A13B94D4}" type="slidenum">
               <a:rPr lang="zh-CN" altLang="en-US" smtClean="0"/>
               <a:t>‹#›</a:t>
             </a:fld>
@@ -1196,7 +1196,7 @@
     </p:spTree>
     <p:extLst>
       <p:ext uri="{BB962C8B-B14F-4D97-AF65-F5344CB8AC3E}">
-        <p14:creationId xmlns:p14="http://schemas.microsoft.com/office/powerpoint/2010/main" val="2829534205"/>
+        <p14:creationId xmlns:p14="http://schemas.microsoft.com/office/powerpoint/2010/main" val="1473096303"/>
       </p:ext>
     </p:extLst>
   </p:cSld>
@@ -1228,7 +1228,7 @@
           <p:cNvPr id="2" name="标题 1">
             <a:extLst>
               <a:ext uri="{FF2B5EF4-FFF2-40B4-BE49-F238E27FC236}">
-                <a16:creationId xmlns:a16="http://schemas.microsoft.com/office/drawing/2014/main" id="{0E701E9E-2BEE-3858-B8AF-53AF802C15BE}"/>
+                <a16:creationId xmlns:a16="http://schemas.microsoft.com/office/drawing/2014/main" id="{F41E7AA4-6391-56E0-3474-88D689CFE146}"/>
               </a:ext>
             </a:extLst>
           </p:cNvPr>
@@ -1256,7 +1256,7 @@
           <p:cNvPr id="3" name="内容占位符 2">
             <a:extLst>
               <a:ext uri="{FF2B5EF4-FFF2-40B4-BE49-F238E27FC236}">
-                <a16:creationId xmlns:a16="http://schemas.microsoft.com/office/drawing/2014/main" id="{DB0D86F6-9E4E-2924-587C-B5860BAE43DE}"/>
+                <a16:creationId xmlns:a16="http://schemas.microsoft.com/office/drawing/2014/main" id="{5246C964-26E5-B79D-4A4B-4FE913C52CC3}"/>
               </a:ext>
             </a:extLst>
           </p:cNvPr>
@@ -1318,7 +1318,7 @@
           <p:cNvPr id="4" name="内容占位符 3">
             <a:extLst>
               <a:ext uri="{FF2B5EF4-FFF2-40B4-BE49-F238E27FC236}">
-                <a16:creationId xmlns:a16="http://schemas.microsoft.com/office/drawing/2014/main" id="{08B147AD-3DF0-8165-F8E3-35A8D89E7482}"/>
+                <a16:creationId xmlns:a16="http://schemas.microsoft.com/office/drawing/2014/main" id="{2CBB4836-2B30-C9FA-5761-255CAC50335C}"/>
               </a:ext>
             </a:extLst>
           </p:cNvPr>
@@ -1380,7 +1380,7 @@
           <p:cNvPr id="5" name="日期占位符 4">
             <a:extLst>
               <a:ext uri="{FF2B5EF4-FFF2-40B4-BE49-F238E27FC236}">
-                <a16:creationId xmlns:a16="http://schemas.microsoft.com/office/drawing/2014/main" id="{FB3F6B7C-B4FF-4540-EDE2-FD56C41507A0}"/>
+                <a16:creationId xmlns:a16="http://schemas.microsoft.com/office/drawing/2014/main" id="{113C36F8-D021-4B46-DC42-4E34C8779416}"/>
               </a:ext>
             </a:extLst>
           </p:cNvPr>
@@ -1396,7 +1396,7 @@
           <a:bodyPr/>
           <a:lstStyle/>
           <a:p>
-            <a:fld id="{2C479A17-988E-4381-805D-DF536068FF23}" type="datetimeFigureOut">
+            <a:fld id="{4FD8EC81-E549-46C0-9F33-750F4E078F32}" type="datetimeFigureOut">
               <a:rPr lang="zh-CN" altLang="en-US" smtClean="0"/>
               <a:t>2024/3/10</a:t>
             </a:fld>
@@ -1409,7 +1409,7 @@
           <p:cNvPr id="6" name="页脚占位符 5">
             <a:extLst>
               <a:ext uri="{FF2B5EF4-FFF2-40B4-BE49-F238E27FC236}">
-                <a16:creationId xmlns:a16="http://schemas.microsoft.com/office/drawing/2014/main" id="{66DB152C-5093-F509-31F8-6E547E6816DA}"/>
+                <a16:creationId xmlns:a16="http://schemas.microsoft.com/office/drawing/2014/main" id="{E8535D51-E6AE-A753-D57C-D1618D58B7ED}"/>
               </a:ext>
             </a:extLst>
           </p:cNvPr>
@@ -1434,7 +1434,7 @@
           <p:cNvPr id="7" name="灯片编号占位符 6">
             <a:extLst>
               <a:ext uri="{FF2B5EF4-FFF2-40B4-BE49-F238E27FC236}">
-                <a16:creationId xmlns:a16="http://schemas.microsoft.com/office/drawing/2014/main" id="{4D5CC286-42D3-C3FB-5D4C-F3792EA2E070}"/>
+                <a16:creationId xmlns:a16="http://schemas.microsoft.com/office/drawing/2014/main" id="{3B7C3AA7-D803-447C-CB45-B85371E2C3C0}"/>
               </a:ext>
             </a:extLst>
           </p:cNvPr>
@@ -1450,7 +1450,7 @@
           <a:bodyPr/>
           <a:lstStyle/>
           <a:p>
-            <a:fld id="{93D3BD6A-41A6-4C6F-8B05-8D169D0D8FC2}" type="slidenum">
+            <a:fld id="{14192F85-B721-4FB4-8B96-8C47A13B94D4}" type="slidenum">
               <a:rPr lang="zh-CN" altLang="en-US" smtClean="0"/>
               <a:t>‹#›</a:t>
             </a:fld>
@@ -1461,7 +1461,7 @@
     </p:spTree>
     <p:extLst>
       <p:ext uri="{BB962C8B-B14F-4D97-AF65-F5344CB8AC3E}">
-        <p14:creationId xmlns:p14="http://schemas.microsoft.com/office/powerpoint/2010/main" val="4290837641"/>
+        <p14:creationId xmlns:p14="http://schemas.microsoft.com/office/powerpoint/2010/main" val="141545070"/>
       </p:ext>
     </p:extLst>
   </p:cSld>
@@ -1493,7 +1493,7 @@
           <p:cNvPr id="2" name="标题 1">
             <a:extLst>
               <a:ext uri="{FF2B5EF4-FFF2-40B4-BE49-F238E27FC236}">
-                <a16:creationId xmlns:a16="http://schemas.microsoft.com/office/drawing/2014/main" id="{96E59E64-BF16-ABF0-1545-5CA528CD7469}"/>
+                <a16:creationId xmlns:a16="http://schemas.microsoft.com/office/drawing/2014/main" id="{AC768DBF-88CD-457D-1B0C-513AFF09EF12}"/>
               </a:ext>
             </a:extLst>
           </p:cNvPr>
@@ -1526,7 +1526,7 @@
           <p:cNvPr id="3" name="文本占位符 2">
             <a:extLst>
               <a:ext uri="{FF2B5EF4-FFF2-40B4-BE49-F238E27FC236}">
-                <a16:creationId xmlns:a16="http://schemas.microsoft.com/office/drawing/2014/main" id="{9051648A-9A94-7F26-BC52-5BA240EA3BFE}"/>
+                <a16:creationId xmlns:a16="http://schemas.microsoft.com/office/drawing/2014/main" id="{A38C9680-A0FC-9997-08AE-ECB9CAC4C121}"/>
               </a:ext>
             </a:extLst>
           </p:cNvPr>
@@ -1597,7 +1597,7 @@
           <p:cNvPr id="4" name="内容占位符 3">
             <a:extLst>
               <a:ext uri="{FF2B5EF4-FFF2-40B4-BE49-F238E27FC236}">
-                <a16:creationId xmlns:a16="http://schemas.microsoft.com/office/drawing/2014/main" id="{D7B46CB4-9A19-868B-E56A-5D624534A283}"/>
+                <a16:creationId xmlns:a16="http://schemas.microsoft.com/office/drawing/2014/main" id="{9949712C-3D90-7C04-B030-CCE9BB688E81}"/>
               </a:ext>
             </a:extLst>
           </p:cNvPr>
@@ -1659,7 +1659,7 @@
           <p:cNvPr id="5" name="文本占位符 4">
             <a:extLst>
               <a:ext uri="{FF2B5EF4-FFF2-40B4-BE49-F238E27FC236}">
-                <a16:creationId xmlns:a16="http://schemas.microsoft.com/office/drawing/2014/main" id="{BA7876D0-2FFF-A81D-2CD9-B17D94F9959D}"/>
+                <a16:creationId xmlns:a16="http://schemas.microsoft.com/office/drawing/2014/main" id="{E02E4BBA-9E51-93D0-AD80-FC55C57D3854}"/>
               </a:ext>
             </a:extLst>
           </p:cNvPr>
@@ -1730,7 +1730,7 @@
           <p:cNvPr id="6" name="内容占位符 5">
             <a:extLst>
               <a:ext uri="{FF2B5EF4-FFF2-40B4-BE49-F238E27FC236}">
-                <a16:creationId xmlns:a16="http://schemas.microsoft.com/office/drawing/2014/main" id="{89530A58-A060-5472-A15C-66E2124E509D}"/>
+                <a16:creationId xmlns:a16="http://schemas.microsoft.com/office/drawing/2014/main" id="{8500506E-E3D4-1B75-979B-9C58E1779E8F}"/>
               </a:ext>
             </a:extLst>
           </p:cNvPr>
@@ -1792,7 +1792,7 @@
           <p:cNvPr id="7" name="日期占位符 6">
             <a:extLst>
               <a:ext uri="{FF2B5EF4-FFF2-40B4-BE49-F238E27FC236}">
-                <a16:creationId xmlns:a16="http://schemas.microsoft.com/office/drawing/2014/main" id="{E2E2C9DB-57EF-84C1-3ED4-9D58DA603FB3}"/>
+                <a16:creationId xmlns:a16="http://schemas.microsoft.com/office/drawing/2014/main" id="{0FF165DE-EBCC-0828-F990-2F97A50D38DE}"/>
               </a:ext>
             </a:extLst>
           </p:cNvPr>
@@ -1808,7 +1808,7 @@
           <a:bodyPr/>
           <a:lstStyle/>
           <a:p>
-            <a:fld id="{2C479A17-988E-4381-805D-DF536068FF23}" type="datetimeFigureOut">
+            <a:fld id="{4FD8EC81-E549-46C0-9F33-750F4E078F32}" type="datetimeFigureOut">
               <a:rPr lang="zh-CN" altLang="en-US" smtClean="0"/>
               <a:t>2024/3/10</a:t>
             </a:fld>
@@ -1821,7 +1821,7 @@
           <p:cNvPr id="8" name="页脚占位符 7">
             <a:extLst>
               <a:ext uri="{FF2B5EF4-FFF2-40B4-BE49-F238E27FC236}">
-                <a16:creationId xmlns:a16="http://schemas.microsoft.com/office/drawing/2014/main" id="{096D5311-7797-A19E-848D-3073774E9A69}"/>
+                <a16:creationId xmlns:a16="http://schemas.microsoft.com/office/drawing/2014/main" id="{4710065C-BDC5-EC16-EDC8-BCEABD9AB516}"/>
               </a:ext>
             </a:extLst>
           </p:cNvPr>
@@ -1846,7 +1846,7 @@
           <p:cNvPr id="9" name="灯片编号占位符 8">
             <a:extLst>
               <a:ext uri="{FF2B5EF4-FFF2-40B4-BE49-F238E27FC236}">
-                <a16:creationId xmlns:a16="http://schemas.microsoft.com/office/drawing/2014/main" id="{431D6C34-5749-C393-A0CC-8743E913B906}"/>
+                <a16:creationId xmlns:a16="http://schemas.microsoft.com/office/drawing/2014/main" id="{2477ABB6-3E92-F267-1777-B94C004E6B09}"/>
               </a:ext>
             </a:extLst>
           </p:cNvPr>
@@ -1862,7 +1862,7 @@
           <a:bodyPr/>
           <a:lstStyle/>
           <a:p>
-            <a:fld id="{93D3BD6A-41A6-4C6F-8B05-8D169D0D8FC2}" type="slidenum">
+            <a:fld id="{14192F85-B721-4FB4-8B96-8C47A13B94D4}" type="slidenum">
               <a:rPr lang="zh-CN" altLang="en-US" smtClean="0"/>
               <a:t>‹#›</a:t>
             </a:fld>
@@ -1873,7 +1873,7 @@
     </p:spTree>
     <p:extLst>
       <p:ext uri="{BB962C8B-B14F-4D97-AF65-F5344CB8AC3E}">
-        <p14:creationId xmlns:p14="http://schemas.microsoft.com/office/powerpoint/2010/main" val="2861291973"/>
+        <p14:creationId xmlns:p14="http://schemas.microsoft.com/office/powerpoint/2010/main" val="2876359094"/>
       </p:ext>
     </p:extLst>
   </p:cSld>
@@ -1905,7 +1905,7 @@
           <p:cNvPr id="2" name="标题 1">
             <a:extLst>
               <a:ext uri="{FF2B5EF4-FFF2-40B4-BE49-F238E27FC236}">
-                <a16:creationId xmlns:a16="http://schemas.microsoft.com/office/drawing/2014/main" id="{64525512-9010-2803-6227-1D2379E18A02}"/>
+                <a16:creationId xmlns:a16="http://schemas.microsoft.com/office/drawing/2014/main" id="{15AFC5E6-3725-20C0-0735-CF84A4547BE7}"/>
               </a:ext>
             </a:extLst>
           </p:cNvPr>
@@ -1933,7 +1933,7 @@
           <p:cNvPr id="3" name="日期占位符 2">
             <a:extLst>
               <a:ext uri="{FF2B5EF4-FFF2-40B4-BE49-F238E27FC236}">
-                <a16:creationId xmlns:a16="http://schemas.microsoft.com/office/drawing/2014/main" id="{FE4881E8-96DE-AA8C-3662-ADF00AE15C66}"/>
+                <a16:creationId xmlns:a16="http://schemas.microsoft.com/office/drawing/2014/main" id="{8B1E3920-76D1-9F1D-09D9-D8BCB2715F0E}"/>
               </a:ext>
             </a:extLst>
           </p:cNvPr>
@@ -1949,7 +1949,7 @@
           <a:bodyPr/>
           <a:lstStyle/>
           <a:p>
-            <a:fld id="{2C479A17-988E-4381-805D-DF536068FF23}" type="datetimeFigureOut">
+            <a:fld id="{4FD8EC81-E549-46C0-9F33-750F4E078F32}" type="datetimeFigureOut">
               <a:rPr lang="zh-CN" altLang="en-US" smtClean="0"/>
               <a:t>2024/3/10</a:t>
             </a:fld>
@@ -1962,7 +1962,7 @@
           <p:cNvPr id="4" name="页脚占位符 3">
             <a:extLst>
               <a:ext uri="{FF2B5EF4-FFF2-40B4-BE49-F238E27FC236}">
-                <a16:creationId xmlns:a16="http://schemas.microsoft.com/office/drawing/2014/main" id="{C1E7E5D0-5334-3ABA-506D-A8764F9D6475}"/>
+                <a16:creationId xmlns:a16="http://schemas.microsoft.com/office/drawing/2014/main" id="{48700308-9D84-0526-0D28-1F7571DD688F}"/>
               </a:ext>
             </a:extLst>
           </p:cNvPr>
@@ -1987,7 +1987,7 @@
           <p:cNvPr id="5" name="灯片编号占位符 4">
             <a:extLst>
               <a:ext uri="{FF2B5EF4-FFF2-40B4-BE49-F238E27FC236}">
-                <a16:creationId xmlns:a16="http://schemas.microsoft.com/office/drawing/2014/main" id="{0C42FAF1-3E19-4726-EBAD-07A014B991C6}"/>
+                <a16:creationId xmlns:a16="http://schemas.microsoft.com/office/drawing/2014/main" id="{A71913D8-D7EE-69A9-FB14-F2BF77B755BE}"/>
               </a:ext>
             </a:extLst>
           </p:cNvPr>
@@ -2003,7 +2003,7 @@
           <a:bodyPr/>
           <a:lstStyle/>
           <a:p>
-            <a:fld id="{93D3BD6A-41A6-4C6F-8B05-8D169D0D8FC2}" type="slidenum">
+            <a:fld id="{14192F85-B721-4FB4-8B96-8C47A13B94D4}" type="slidenum">
               <a:rPr lang="zh-CN" altLang="en-US" smtClean="0"/>
               <a:t>‹#›</a:t>
             </a:fld>
@@ -2014,7 +2014,7 @@
     </p:spTree>
     <p:extLst>
       <p:ext uri="{BB962C8B-B14F-4D97-AF65-F5344CB8AC3E}">
-        <p14:creationId xmlns:p14="http://schemas.microsoft.com/office/powerpoint/2010/main" val="2641497657"/>
+        <p14:creationId xmlns:p14="http://schemas.microsoft.com/office/powerpoint/2010/main" val="1708836956"/>
       </p:ext>
     </p:extLst>
   </p:cSld>
@@ -2046,7 +2046,7 @@
           <p:cNvPr id="2" name="日期占位符 1">
             <a:extLst>
               <a:ext uri="{FF2B5EF4-FFF2-40B4-BE49-F238E27FC236}">
-                <a16:creationId xmlns:a16="http://schemas.microsoft.com/office/drawing/2014/main" id="{98C87C6B-58EF-BD42-521E-6D213DA908B3}"/>
+                <a16:creationId xmlns:a16="http://schemas.microsoft.com/office/drawing/2014/main" id="{770CBF66-8EBA-C972-D9CE-CF6F19910BDB}"/>
               </a:ext>
             </a:extLst>
           </p:cNvPr>
@@ -2062,7 +2062,7 @@
           <a:bodyPr/>
           <a:lstStyle/>
           <a:p>
-            <a:fld id="{2C479A17-988E-4381-805D-DF536068FF23}" type="datetimeFigureOut">
+            <a:fld id="{4FD8EC81-E549-46C0-9F33-750F4E078F32}" type="datetimeFigureOut">
               <a:rPr lang="zh-CN" altLang="en-US" smtClean="0"/>
               <a:t>2024/3/10</a:t>
             </a:fld>
@@ -2075,7 +2075,7 @@
           <p:cNvPr id="3" name="页脚占位符 2">
             <a:extLst>
               <a:ext uri="{FF2B5EF4-FFF2-40B4-BE49-F238E27FC236}">
-                <a16:creationId xmlns:a16="http://schemas.microsoft.com/office/drawing/2014/main" id="{7B6F6324-4211-0E18-1B96-F1CC988BF4F7}"/>
+                <a16:creationId xmlns:a16="http://schemas.microsoft.com/office/drawing/2014/main" id="{972FE409-2624-D2F9-09ED-378AACB1D0DB}"/>
               </a:ext>
             </a:extLst>
           </p:cNvPr>
@@ -2100,7 +2100,7 @@
           <p:cNvPr id="4" name="灯片编号占位符 3">
             <a:extLst>
               <a:ext uri="{FF2B5EF4-FFF2-40B4-BE49-F238E27FC236}">
-                <a16:creationId xmlns:a16="http://schemas.microsoft.com/office/drawing/2014/main" id="{D87D1519-B796-AC32-A188-1133DF80E3E0}"/>
+                <a16:creationId xmlns:a16="http://schemas.microsoft.com/office/drawing/2014/main" id="{015B8527-4C05-2432-CCE0-C12D860D931E}"/>
               </a:ext>
             </a:extLst>
           </p:cNvPr>
@@ -2116,7 +2116,7 @@
           <a:bodyPr/>
           <a:lstStyle/>
           <a:p>
-            <a:fld id="{93D3BD6A-41A6-4C6F-8B05-8D169D0D8FC2}" type="slidenum">
+            <a:fld id="{14192F85-B721-4FB4-8B96-8C47A13B94D4}" type="slidenum">
               <a:rPr lang="zh-CN" altLang="en-US" smtClean="0"/>
               <a:t>‹#›</a:t>
             </a:fld>
@@ -2127,7 +2127,7 @@
     </p:spTree>
     <p:extLst>
       <p:ext uri="{BB962C8B-B14F-4D97-AF65-F5344CB8AC3E}">
-        <p14:creationId xmlns:p14="http://schemas.microsoft.com/office/powerpoint/2010/main" val="858847186"/>
+        <p14:creationId xmlns:p14="http://schemas.microsoft.com/office/powerpoint/2010/main" val="676720658"/>
       </p:ext>
     </p:extLst>
   </p:cSld>
@@ -2159,7 +2159,7 @@
           <p:cNvPr id="2" name="标题 1">
             <a:extLst>
               <a:ext uri="{FF2B5EF4-FFF2-40B4-BE49-F238E27FC236}">
-                <a16:creationId xmlns:a16="http://schemas.microsoft.com/office/drawing/2014/main" id="{2172CD75-AF37-B305-504B-2DA36193B5D6}"/>
+                <a16:creationId xmlns:a16="http://schemas.microsoft.com/office/drawing/2014/main" id="{13D8DB0E-5893-F7DC-E86B-D77DF1D8054A}"/>
               </a:ext>
             </a:extLst>
           </p:cNvPr>
@@ -2196,7 +2196,7 @@
           <p:cNvPr id="3" name="内容占位符 2">
             <a:extLst>
               <a:ext uri="{FF2B5EF4-FFF2-40B4-BE49-F238E27FC236}">
-                <a16:creationId xmlns:a16="http://schemas.microsoft.com/office/drawing/2014/main" id="{E1C5BD6B-467C-6CA1-5508-59C8A5E7C02F}"/>
+                <a16:creationId xmlns:a16="http://schemas.microsoft.com/office/drawing/2014/main" id="{10A494C6-5C52-521D-F92A-1C2C3838875B}"/>
               </a:ext>
             </a:extLst>
           </p:cNvPr>
@@ -2286,7 +2286,7 @@
           <p:cNvPr id="4" name="文本占位符 3">
             <a:extLst>
               <a:ext uri="{FF2B5EF4-FFF2-40B4-BE49-F238E27FC236}">
-                <a16:creationId xmlns:a16="http://schemas.microsoft.com/office/drawing/2014/main" id="{3E6BCD66-1A0D-A78C-8937-994C1FF964DB}"/>
+                <a16:creationId xmlns:a16="http://schemas.microsoft.com/office/drawing/2014/main" id="{8A62CAD9-45BB-9431-9AB8-658E8571C2EA}"/>
               </a:ext>
             </a:extLst>
           </p:cNvPr>
@@ -2357,7 +2357,7 @@
           <p:cNvPr id="5" name="日期占位符 4">
             <a:extLst>
               <a:ext uri="{FF2B5EF4-FFF2-40B4-BE49-F238E27FC236}">
-                <a16:creationId xmlns:a16="http://schemas.microsoft.com/office/drawing/2014/main" id="{9198E5F2-24CA-3191-4CD4-937CB0ECFC14}"/>
+                <a16:creationId xmlns:a16="http://schemas.microsoft.com/office/drawing/2014/main" id="{DB8E6F2C-B99F-91A9-1151-10177DD1A8C1}"/>
               </a:ext>
             </a:extLst>
           </p:cNvPr>
@@ -2373,7 +2373,7 @@
           <a:bodyPr/>
           <a:lstStyle/>
           <a:p>
-            <a:fld id="{2C479A17-988E-4381-805D-DF536068FF23}" type="datetimeFigureOut">
+            <a:fld id="{4FD8EC81-E549-46C0-9F33-750F4E078F32}" type="datetimeFigureOut">
               <a:rPr lang="zh-CN" altLang="en-US" smtClean="0"/>
               <a:t>2024/3/10</a:t>
             </a:fld>
@@ -2386,7 +2386,7 @@
           <p:cNvPr id="6" name="页脚占位符 5">
             <a:extLst>
               <a:ext uri="{FF2B5EF4-FFF2-40B4-BE49-F238E27FC236}">
-                <a16:creationId xmlns:a16="http://schemas.microsoft.com/office/drawing/2014/main" id="{3909C3D5-0A15-D9B8-9D5E-E113EF5803C6}"/>
+                <a16:creationId xmlns:a16="http://schemas.microsoft.com/office/drawing/2014/main" id="{A9763172-F53C-7796-C059-F9C3885EDDD1}"/>
               </a:ext>
             </a:extLst>
           </p:cNvPr>
@@ -2411,7 +2411,7 @@
           <p:cNvPr id="7" name="灯片编号占位符 6">
             <a:extLst>
               <a:ext uri="{FF2B5EF4-FFF2-40B4-BE49-F238E27FC236}">
-                <a16:creationId xmlns:a16="http://schemas.microsoft.com/office/drawing/2014/main" id="{6FB58EC9-0881-A74D-0384-30CCA8FCAF09}"/>
+                <a16:creationId xmlns:a16="http://schemas.microsoft.com/office/drawing/2014/main" id="{77ED3FA2-5EA1-2D8B-2CBC-479EAE1CB50E}"/>
               </a:ext>
             </a:extLst>
           </p:cNvPr>
@@ -2427,7 +2427,7 @@
           <a:bodyPr/>
           <a:lstStyle/>
           <a:p>
-            <a:fld id="{93D3BD6A-41A6-4C6F-8B05-8D169D0D8FC2}" type="slidenum">
+            <a:fld id="{14192F85-B721-4FB4-8B96-8C47A13B94D4}" type="slidenum">
               <a:rPr lang="zh-CN" altLang="en-US" smtClean="0"/>
               <a:t>‹#›</a:t>
             </a:fld>
@@ -2438,7 +2438,7 @@
     </p:spTree>
     <p:extLst>
       <p:ext uri="{BB962C8B-B14F-4D97-AF65-F5344CB8AC3E}">
-        <p14:creationId xmlns:p14="http://schemas.microsoft.com/office/powerpoint/2010/main" val="3570297287"/>
+        <p14:creationId xmlns:p14="http://schemas.microsoft.com/office/powerpoint/2010/main" val="211272795"/>
       </p:ext>
     </p:extLst>
   </p:cSld>
@@ -2470,7 +2470,7 @@
           <p:cNvPr id="2" name="标题 1">
             <a:extLst>
               <a:ext uri="{FF2B5EF4-FFF2-40B4-BE49-F238E27FC236}">
-                <a16:creationId xmlns:a16="http://schemas.microsoft.com/office/drawing/2014/main" id="{DE11296A-E704-D642-F629-653B95677571}"/>
+                <a16:creationId xmlns:a16="http://schemas.microsoft.com/office/drawing/2014/main" id="{5C174D12-A341-57B9-434E-7D1436A7A1D3}"/>
               </a:ext>
             </a:extLst>
           </p:cNvPr>
@@ -2507,7 +2507,7 @@
           <p:cNvPr id="3" name="图片占位符 2">
             <a:extLst>
               <a:ext uri="{FF2B5EF4-FFF2-40B4-BE49-F238E27FC236}">
-                <a16:creationId xmlns:a16="http://schemas.microsoft.com/office/drawing/2014/main" id="{2F68E260-BA73-D6BA-2BCA-B5FBB4D37617}"/>
+                <a16:creationId xmlns:a16="http://schemas.microsoft.com/office/drawing/2014/main" id="{BC42F746-24E3-1A62-97E0-93A4D8EE9DDF}"/>
               </a:ext>
             </a:extLst>
           </p:cNvPr>
@@ -2574,7 +2574,7 @@
           <p:cNvPr id="4" name="文本占位符 3">
             <a:extLst>
               <a:ext uri="{FF2B5EF4-FFF2-40B4-BE49-F238E27FC236}">
-                <a16:creationId xmlns:a16="http://schemas.microsoft.com/office/drawing/2014/main" id="{45C50797-F6C5-D9D1-47F2-CFE1C8CED2A0}"/>
+                <a16:creationId xmlns:a16="http://schemas.microsoft.com/office/drawing/2014/main" id="{02579055-112A-BA71-3590-048616C7F67A}"/>
               </a:ext>
             </a:extLst>
           </p:cNvPr>
@@ -2645,7 +2645,7 @@
           <p:cNvPr id="5" name="日期占位符 4">
             <a:extLst>
               <a:ext uri="{FF2B5EF4-FFF2-40B4-BE49-F238E27FC236}">
-                <a16:creationId xmlns:a16="http://schemas.microsoft.com/office/drawing/2014/main" id="{CC56B7FC-FFEE-2716-85C5-0B6082F0EA83}"/>
+                <a16:creationId xmlns:a16="http://schemas.microsoft.com/office/drawing/2014/main" id="{6D9FEA32-2C66-A8A1-63C0-11D5C2CD1DD4}"/>
               </a:ext>
             </a:extLst>
           </p:cNvPr>
@@ -2661,7 +2661,7 @@
           <a:bodyPr/>
           <a:lstStyle/>
           <a:p>
-            <a:fld id="{2C479A17-988E-4381-805D-DF536068FF23}" type="datetimeFigureOut">
+            <a:fld id="{4FD8EC81-E549-46C0-9F33-750F4E078F32}" type="datetimeFigureOut">
               <a:rPr lang="zh-CN" altLang="en-US" smtClean="0"/>
               <a:t>2024/3/10</a:t>
             </a:fld>
@@ -2674,7 +2674,7 @@
           <p:cNvPr id="6" name="页脚占位符 5">
             <a:extLst>
               <a:ext uri="{FF2B5EF4-FFF2-40B4-BE49-F238E27FC236}">
-                <a16:creationId xmlns:a16="http://schemas.microsoft.com/office/drawing/2014/main" id="{66A1F965-D3CA-FB88-72EF-78C7F79534DC}"/>
+                <a16:creationId xmlns:a16="http://schemas.microsoft.com/office/drawing/2014/main" id="{645F1065-EB3F-21D5-45C1-94D79AB3A4F2}"/>
               </a:ext>
             </a:extLst>
           </p:cNvPr>
@@ -2699,7 +2699,7 @@
           <p:cNvPr id="7" name="灯片编号占位符 6">
             <a:extLst>
               <a:ext uri="{FF2B5EF4-FFF2-40B4-BE49-F238E27FC236}">
-                <a16:creationId xmlns:a16="http://schemas.microsoft.com/office/drawing/2014/main" id="{DB051EE7-6960-07B9-510C-BCFC0B36A1B0}"/>
+                <a16:creationId xmlns:a16="http://schemas.microsoft.com/office/drawing/2014/main" id="{DDCDA078-4132-B46F-9490-6CE251A37BEB}"/>
               </a:ext>
             </a:extLst>
           </p:cNvPr>
@@ -2715,7 +2715,7 @@
           <a:bodyPr/>
           <a:lstStyle/>
           <a:p>
-            <a:fld id="{93D3BD6A-41A6-4C6F-8B05-8D169D0D8FC2}" type="slidenum">
+            <a:fld id="{14192F85-B721-4FB4-8B96-8C47A13B94D4}" type="slidenum">
               <a:rPr lang="zh-CN" altLang="en-US" smtClean="0"/>
               <a:t>‹#›</a:t>
             </a:fld>
@@ -2726,7 +2726,7 @@
     </p:spTree>
     <p:extLst>
       <p:ext uri="{BB962C8B-B14F-4D97-AF65-F5344CB8AC3E}">
-        <p14:creationId xmlns:p14="http://schemas.microsoft.com/office/powerpoint/2010/main" val="3678797236"/>
+        <p14:creationId xmlns:p14="http://schemas.microsoft.com/office/powerpoint/2010/main" val="1227041362"/>
       </p:ext>
     </p:extLst>
   </p:cSld>
@@ -2763,7 +2763,7 @@
           <p:cNvPr id="2" name="标题占位符 1">
             <a:extLst>
               <a:ext uri="{FF2B5EF4-FFF2-40B4-BE49-F238E27FC236}">
-                <a16:creationId xmlns:a16="http://schemas.microsoft.com/office/drawing/2014/main" id="{AC9C9335-C502-CE7A-73F8-7B799A96AB3B}"/>
+                <a16:creationId xmlns:a16="http://schemas.microsoft.com/office/drawing/2014/main" id="{D8DF3718-D6E3-22EC-C759-8542DB8B08E3}"/>
               </a:ext>
             </a:extLst>
           </p:cNvPr>
@@ -2801,7 +2801,7 @@
           <p:cNvPr id="3" name="文本占位符 2">
             <a:extLst>
               <a:ext uri="{FF2B5EF4-FFF2-40B4-BE49-F238E27FC236}">
-                <a16:creationId xmlns:a16="http://schemas.microsoft.com/office/drawing/2014/main" id="{265F7A23-E548-9856-611B-357333249F28}"/>
+                <a16:creationId xmlns:a16="http://schemas.microsoft.com/office/drawing/2014/main" id="{BF02E4AE-6AF6-F8D4-46D8-0ADD30FB59FF}"/>
               </a:ext>
             </a:extLst>
           </p:cNvPr>
@@ -2868,7 +2868,7 @@
           <p:cNvPr id="4" name="日期占位符 3">
             <a:extLst>
               <a:ext uri="{FF2B5EF4-FFF2-40B4-BE49-F238E27FC236}">
-                <a16:creationId xmlns:a16="http://schemas.microsoft.com/office/drawing/2014/main" id="{48188CFB-0317-D532-BBC2-087E83E9E20E}"/>
+                <a16:creationId xmlns:a16="http://schemas.microsoft.com/office/drawing/2014/main" id="{82B13D51-2050-004D-2BA9-992C90EEC5EA}"/>
               </a:ext>
             </a:extLst>
           </p:cNvPr>
@@ -2902,7 +2902,7 @@
             </a:lvl1pPr>
           </a:lstStyle>
           <a:p>
-            <a:fld id="{2C479A17-988E-4381-805D-DF536068FF23}" type="datetimeFigureOut">
+            <a:fld id="{4FD8EC81-E549-46C0-9F33-750F4E078F32}" type="datetimeFigureOut">
               <a:rPr lang="zh-CN" altLang="en-US" smtClean="0"/>
               <a:t>2024/3/10</a:t>
             </a:fld>
@@ -2915,7 +2915,7 @@
           <p:cNvPr id="5" name="页脚占位符 4">
             <a:extLst>
               <a:ext uri="{FF2B5EF4-FFF2-40B4-BE49-F238E27FC236}">
-                <a16:creationId xmlns:a16="http://schemas.microsoft.com/office/drawing/2014/main" id="{2499F3F2-3FE3-D6A7-B666-2221A16B7D05}"/>
+                <a16:creationId xmlns:a16="http://schemas.microsoft.com/office/drawing/2014/main" id="{529E5B4C-E205-4714-6F2A-0BF5E63E0230}"/>
               </a:ext>
             </a:extLst>
           </p:cNvPr>
@@ -2958,7 +2958,7 @@
           <p:cNvPr id="6" name="灯片编号占位符 5">
             <a:extLst>
               <a:ext uri="{FF2B5EF4-FFF2-40B4-BE49-F238E27FC236}">
-                <a16:creationId xmlns:a16="http://schemas.microsoft.com/office/drawing/2014/main" id="{A8AE377C-448D-9E66-D10D-B64AA4A976E6}"/>
+                <a16:creationId xmlns:a16="http://schemas.microsoft.com/office/drawing/2014/main" id="{8F92C96A-0D0B-41FE-A7C9-D523B1A029DC}"/>
               </a:ext>
             </a:extLst>
           </p:cNvPr>
@@ -2992,7 +2992,7 @@
             </a:lvl1pPr>
           </a:lstStyle>
           <a:p>
-            <a:fld id="{93D3BD6A-41A6-4C6F-8B05-8D169D0D8FC2}" type="slidenum">
+            <a:fld id="{14192F85-B721-4FB4-8B96-8C47A13B94D4}" type="slidenum">
               <a:rPr lang="zh-CN" altLang="en-US" smtClean="0"/>
               <a:t>‹#›</a:t>
             </a:fld>
@@ -3003,7 +3003,7 @@
     </p:spTree>
     <p:extLst>
       <p:ext uri="{BB962C8B-B14F-4D97-AF65-F5344CB8AC3E}">
-        <p14:creationId xmlns:p14="http://schemas.microsoft.com/office/powerpoint/2010/main" val="3523587771"/>
+        <p14:creationId xmlns:p14="http://schemas.microsoft.com/office/powerpoint/2010/main" val="3059866897"/>
       </p:ext>
     </p:extLst>
   </p:cSld>
@@ -3323,7 +3323,7 @@
       </p:grpSpPr>
       <p:pic>
         <p:nvPicPr>
-          <p:cNvPr id="166914" name="Picture 2" descr="162"/>
+          <p:cNvPr id="167938" name="Picture 2" descr="163"/>
           <p:cNvPicPr>
             <a:picLocks noChangeAspect="1" noChangeArrowheads="1"/>
           </p:cNvPicPr>
@@ -3377,7 +3377,7 @@
       </p:pic>
       <p:pic>
         <p:nvPicPr>
-          <p:cNvPr id="167939" name="Picture 3" descr="162-2"/>
+          <p:cNvPr id="168963" name="Picture 3" descr="163-2"/>
           <p:cNvPicPr>
             <a:picLocks noChangeAspect="1" noChangeArrowheads="1"/>
           </p:cNvPicPr>
@@ -3398,7 +3398,7 @@
         </p:blipFill>
         <p:spPr bwMode="auto">
           <a:xfrm>
-            <a:off x="1524000" y="0"/>
+            <a:off x="1560513" y="0"/>
             <a:ext cx="9144000" cy="6858000"/>
           </a:xfrm>
           <a:prstGeom prst="rect">
@@ -3478,7 +3478,7 @@
                                           </p:stCondLst>
                                         </p:cTn>
                                         <p:tgtEl>
-                                          <p:spTgt spid="167939"/>
+                                          <p:spTgt spid="168963"/>
                                         </p:tgtEl>
                                         <p:attrNameLst>
                                           <p:attrName>style.visibility</p:attrName>
@@ -3492,7 +3492,7 @@
                                       <p:cBhvr>
                                         <p:cTn id="7" dur="500"/>
                                         <p:tgtEl>
-                                          <p:spTgt spid="167939"/>
+                                          <p:spTgt spid="168963"/>
                                         </p:tgtEl>
                                       </p:cBhvr>
                                     </p:animEffect>
